--- a/units/2/lessons/6/resources/petascale-lesson-2.6-slides.pptx
+++ b/units/2/lessons/6/resources/petascale-lesson-2.6-slides.pptx
@@ -10,7 +10,7 @@
   </p:notesMasterIdLst>
   <p:sldIdLst>
     <p:sldId id="277" r:id="rId3"/>
-    <p:sldId id="278" r:id="rId4"/>
+    <p:sldId id="279" r:id="rId4"/>
     <p:sldId id="256" r:id="rId5"/>
     <p:sldId id="257" r:id="rId6"/>
     <p:sldId id="258" r:id="rId7"/>
@@ -5239,7 +5239,7 @@
                 </a:solidFill>
               </a:rPr>
               <a:pPr/>
-              <a:t>9/12/20</a:t>
+              <a:t>10/11/20</a:t>
             </a:fld>
             <a:endParaRPr lang="en-US">
               <a:solidFill>
@@ -5437,7 +5437,7 @@
                 </a:solidFill>
               </a:rPr>
               <a:pPr/>
-              <a:t>9/12/20</a:t>
+              <a:t>10/11/20</a:t>
             </a:fld>
             <a:endParaRPr lang="en-US">
               <a:solidFill>
@@ -5711,7 +5711,7 @@
                 </a:solidFill>
               </a:rPr>
               <a:pPr/>
-              <a:t>9/12/20</a:t>
+              <a:t>10/11/20</a:t>
             </a:fld>
             <a:endParaRPr lang="en-US">
               <a:solidFill>
@@ -5971,7 +5971,7 @@
                 </a:solidFill>
               </a:rPr>
               <a:pPr/>
-              <a:t>9/12/20</a:t>
+              <a:t>10/11/20</a:t>
             </a:fld>
             <a:endParaRPr lang="en-US">
               <a:solidFill>
@@ -6366,7 +6366,7 @@
                 </a:solidFill>
               </a:rPr>
               <a:pPr/>
-              <a:t>9/12/20</a:t>
+              <a:t>10/11/20</a:t>
             </a:fld>
             <a:endParaRPr lang="en-US">
               <a:solidFill>
@@ -6512,7 +6512,7 @@
                 </a:solidFill>
               </a:rPr>
               <a:pPr/>
-              <a:t>9/12/20</a:t>
+              <a:t>10/11/20</a:t>
             </a:fld>
             <a:endParaRPr lang="en-US">
               <a:solidFill>
@@ -6635,7 +6635,7 @@
                 </a:solidFill>
               </a:rPr>
               <a:pPr/>
-              <a:t>9/12/20</a:t>
+              <a:t>10/11/20</a:t>
             </a:fld>
             <a:endParaRPr lang="en-US">
               <a:solidFill>
@@ -6940,7 +6940,7 @@
                 </a:solidFill>
               </a:rPr>
               <a:pPr/>
-              <a:t>9/12/20</a:t>
+              <a:t>10/11/20</a:t>
             </a:fld>
             <a:endParaRPr lang="en-US">
               <a:solidFill>
@@ -7847,7 +7847,7 @@
                 </a:solidFill>
               </a:rPr>
               <a:pPr/>
-              <a:t>9/12/20</a:t>
+              <a:t>10/11/20</a:t>
             </a:fld>
             <a:endParaRPr lang="en-US">
               <a:solidFill>
@@ -8045,7 +8045,7 @@
                 </a:solidFill>
               </a:rPr>
               <a:pPr/>
-              <a:t>9/12/20</a:t>
+              <a:t>10/11/20</a:t>
             </a:fld>
             <a:endParaRPr lang="en-US">
               <a:solidFill>
@@ -8253,7 +8253,7 @@
                 </a:solidFill>
               </a:rPr>
               <a:pPr/>
-              <a:t>9/12/20</a:t>
+              <a:t>10/11/20</a:t>
             </a:fld>
             <a:endParaRPr lang="en-US">
               <a:solidFill>
@@ -13682,7 +13682,7 @@
                 <a:buFontTx/>
                 <a:buNone/>
               </a:pPr>
-              <a:t>9/12/20</a:t>
+              <a:t>10/11/20</a:t>
             </a:fld>
             <a:endParaRPr lang="en-US" kern="1200">
               <a:solidFill>
@@ -14171,15 +14171,7 @@
                 <a:ea typeface="Times New Roman" charset="0"/>
                 <a:cs typeface="Times New Roman" charset="0"/>
               </a:rPr>
-              <a:t>Blue Waters Petascale</a:t>
-            </a:r>
-            <a:r>
-              <a:rPr lang="en-US" sz="2700" b="1" dirty="0">
-                <a:latin typeface="Times New Roman" charset="0"/>
-                <a:ea typeface="Times New Roman" charset="0"/>
-                <a:cs typeface="Times New Roman" charset="0"/>
-              </a:rPr>
-              <a:t> Semester Curriculum v1.0</a:t>
+              <a:t>Blue Waters Petascale Semester Curriculum v1.0</a:t>
             </a:r>
             <a:r>
               <a:rPr lang="en-US" sz="2700" dirty="0">
@@ -14202,15 +14194,7 @@
                 <a:ea typeface="Times New Roman" charset="0"/>
                 <a:cs typeface="Times New Roman" charset="0"/>
               </a:rPr>
-              <a:t>Unit 2</a:t>
-            </a:r>
-            <a:r>
-              <a:rPr lang="en-US" sz="2700" b="1" dirty="0">
-                <a:latin typeface="Times New Roman" charset="0"/>
-                <a:ea typeface="Times New Roman" charset="0"/>
-                <a:cs typeface="Times New Roman" charset="0"/>
-              </a:rPr>
-              <a:t>: Parallel Computing Concepts</a:t>
+              <a:t>Unit 2: Parallel Computing Concepts</a:t>
             </a:r>
             <a:r>
               <a:rPr lang="en-US" sz="2700" dirty="0">
@@ -14282,14 +14266,6 @@
               </a:rPr>
               <a:t>by Beau Christ</a:t>
             </a:r>
-            <a:r>
-              <a:rPr lang="en-US" sz="2700" i="1" dirty="0">
-                <a:latin typeface="Times New Roman" charset="0"/>
-                <a:ea typeface="Times New Roman" charset="0"/>
-                <a:cs typeface="Times New Roman" charset="0"/>
-              </a:rPr>
-              <a:t/>
-            </a:r>
             <a:br>
               <a:rPr lang="en-US" sz="2700" i="1" dirty="0">
                 <a:latin typeface="Times New Roman" charset="0"/>
@@ -14305,11 +14281,6 @@
               </a:rPr>
               <a:t>for the Shodor Education Foundation, Inc.</a:t>
             </a:r>
-            <a:endParaRPr lang="en-US" sz="2700" i="1" dirty="0">
-              <a:latin typeface="Times New Roman" charset="0"/>
-              <a:ea typeface="Times New Roman" charset="0"/>
-              <a:cs typeface="Times New Roman" charset="0"/>
-            </a:endParaRPr>
           </a:p>
         </p:txBody>
       </p:sp>
@@ -17258,7 +17229,7 @@
         </p:nvSpPr>
         <p:spPr>
           <a:xfrm>
-            <a:off x="566058" y="0"/>
+            <a:off x="566057" y="0"/>
             <a:ext cx="8011886" cy="5143500"/>
           </a:xfrm>
         </p:spPr>
@@ -17305,7 +17276,23 @@
                 <a:ea typeface="Times New Roman" charset="0"/>
                 <a:cs typeface="Times New Roman" charset="0"/>
               </a:rPr>
-              <a:t>CC BY-NC 4.0. To view a copy of this license, visit </a:t>
+              <a:t>CC </a:t>
+            </a:r>
+            <a:r>
+              <a:rPr lang="en-US" sz="2100" dirty="0" smtClean="0">
+                <a:latin typeface="Times New Roman" charset="0"/>
+                <a:ea typeface="Times New Roman" charset="0"/>
+                <a:cs typeface="Times New Roman" charset="0"/>
+              </a:rPr>
+              <a:t>BY-SA </a:t>
+            </a:r>
+            <a:r>
+              <a:rPr lang="en-US" sz="2100" dirty="0">
+                <a:latin typeface="Times New Roman" charset="0"/>
+                <a:ea typeface="Times New Roman" charset="0"/>
+                <a:cs typeface="Times New Roman" charset="0"/>
+              </a:rPr>
+              <a:t>4.0. To view a copy of this license, visit </a:t>
             </a:r>
             <a:r>
               <a:rPr lang="en-US" sz="2100" dirty="0">
@@ -17314,7 +17301,16 @@
                 <a:cs typeface="Times New Roman" charset="0"/>
                 <a:hlinkClick r:id="rId2"/>
               </a:rPr>
-              <a:t>https://creativecommons.org/licenses/by-nc/4.0</a:t>
+              <a:t>https://</a:t>
+            </a:r>
+            <a:r>
+              <a:rPr lang="en-US" sz="2100" dirty="0" smtClean="0">
+                <a:latin typeface="Times New Roman" charset="0"/>
+                <a:ea typeface="Times New Roman" charset="0"/>
+                <a:cs typeface="Times New Roman" charset="0"/>
+                <a:hlinkClick r:id="rId2"/>
+              </a:rPr>
+              <a:t>creativecommons.org/licenses/by-sa/4.0</a:t>
             </a:r>
             <a:r>
               <a:rPr lang="en-US" sz="2100" dirty="0">
@@ -17468,7 +17464,7 @@
     </p:spTree>
     <p:extLst>
       <p:ext uri="{BB962C8B-B14F-4D97-AF65-F5344CB8AC3E}">
-        <p14:creationId xmlns:p14="http://schemas.microsoft.com/office/powerpoint/2010/main" val="1983266413"/>
+        <p14:creationId xmlns:p14="http://schemas.microsoft.com/office/powerpoint/2010/main" val="2060239784"/>
       </p:ext>
     </p:extLst>
   </p:cSld>

--- a/units/2/lessons/6/resources/petascale-lesson-2.6-slides.pptx
+++ b/units/2/lessons/6/resources/petascale-lesson-2.6-slides.pptx
@@ -857,7 +857,7 @@
         </p:nvSpPr>
         <p:spPr>
           <a:xfrm>
-            <a:off x="381300" y="685800"/>
+            <a:off x="381000" y="685800"/>
             <a:ext cx="6096000" cy="3429000"/>
           </a:xfrm>
           <a:custGeom>
@@ -1065,7 +1065,7 @@
         </p:nvSpPr>
         <p:spPr>
           <a:xfrm>
-            <a:off x="381300" y="685800"/>
+            <a:off x="381000" y="685800"/>
             <a:ext cx="6096000" cy="3429000"/>
           </a:xfrm>
           <a:custGeom>
@@ -1689,7 +1689,7 @@
         </p:nvSpPr>
         <p:spPr>
           <a:xfrm>
-            <a:off x="381300" y="685800"/>
+            <a:off x="381000" y="685800"/>
             <a:ext cx="6096000" cy="3429000"/>
           </a:xfrm>
           <a:custGeom>
@@ -1793,7 +1793,7 @@
         </p:nvSpPr>
         <p:spPr>
           <a:xfrm>
-            <a:off x="381300" y="685800"/>
+            <a:off x="381000" y="685800"/>
             <a:ext cx="6096000" cy="3429000"/>
           </a:xfrm>
           <a:custGeom>
@@ -2521,7 +2521,7 @@
         </p:nvSpPr>
         <p:spPr>
           <a:xfrm>
-            <a:off x="381300" y="685800"/>
+            <a:off x="381000" y="685800"/>
             <a:ext cx="6096000" cy="3429000"/>
           </a:xfrm>
           <a:custGeom>
@@ -2625,7 +2625,7 @@
         </p:nvSpPr>
         <p:spPr>
           <a:xfrm>
-            <a:off x="381300" y="685800"/>
+            <a:off x="381000" y="685800"/>
             <a:ext cx="6096000" cy="3429000"/>
           </a:xfrm>
           <a:custGeom>
@@ -2729,7 +2729,7 @@
         </p:nvSpPr>
         <p:spPr>
           <a:xfrm>
-            <a:off x="381300" y="685800"/>
+            <a:off x="381000" y="685800"/>
             <a:ext cx="6096000" cy="3429000"/>
           </a:xfrm>
           <a:custGeom>
@@ -2833,7 +2833,7 @@
         </p:nvSpPr>
         <p:spPr>
           <a:xfrm>
-            <a:off x="381300" y="685800"/>
+            <a:off x="381000" y="685800"/>
             <a:ext cx="6096000" cy="3429000"/>
           </a:xfrm>
           <a:custGeom>
@@ -5239,7 +5239,7 @@
                 </a:solidFill>
               </a:rPr>
               <a:pPr/>
-              <a:t>10/11/20</a:t>
+              <a:t>11/16/20</a:t>
             </a:fld>
             <a:endParaRPr lang="en-US">
               <a:solidFill>
@@ -5437,7 +5437,7 @@
                 </a:solidFill>
               </a:rPr>
               <a:pPr/>
-              <a:t>10/11/20</a:t>
+              <a:t>11/16/20</a:t>
             </a:fld>
             <a:endParaRPr lang="en-US">
               <a:solidFill>
@@ -5711,7 +5711,7 @@
                 </a:solidFill>
               </a:rPr>
               <a:pPr/>
-              <a:t>10/11/20</a:t>
+              <a:t>11/16/20</a:t>
             </a:fld>
             <a:endParaRPr lang="en-US">
               <a:solidFill>
@@ -5971,7 +5971,7 @@
                 </a:solidFill>
               </a:rPr>
               <a:pPr/>
-              <a:t>10/11/20</a:t>
+              <a:t>11/16/20</a:t>
             </a:fld>
             <a:endParaRPr lang="en-US">
               <a:solidFill>
@@ -6366,7 +6366,7 @@
                 </a:solidFill>
               </a:rPr>
               <a:pPr/>
-              <a:t>10/11/20</a:t>
+              <a:t>11/16/20</a:t>
             </a:fld>
             <a:endParaRPr lang="en-US">
               <a:solidFill>
@@ -6512,7 +6512,7 @@
                 </a:solidFill>
               </a:rPr>
               <a:pPr/>
-              <a:t>10/11/20</a:t>
+              <a:t>11/16/20</a:t>
             </a:fld>
             <a:endParaRPr lang="en-US">
               <a:solidFill>
@@ -6635,7 +6635,7 @@
                 </a:solidFill>
               </a:rPr>
               <a:pPr/>
-              <a:t>10/11/20</a:t>
+              <a:t>11/16/20</a:t>
             </a:fld>
             <a:endParaRPr lang="en-US">
               <a:solidFill>
@@ -6940,7 +6940,7 @@
                 </a:solidFill>
               </a:rPr>
               <a:pPr/>
-              <a:t>10/11/20</a:t>
+              <a:t>11/16/20</a:t>
             </a:fld>
             <a:endParaRPr lang="en-US">
               <a:solidFill>
@@ -7847,7 +7847,7 @@
                 </a:solidFill>
               </a:rPr>
               <a:pPr/>
-              <a:t>10/11/20</a:t>
+              <a:t>11/16/20</a:t>
             </a:fld>
             <a:endParaRPr lang="en-US">
               <a:solidFill>
@@ -8045,7 +8045,7 @@
                 </a:solidFill>
               </a:rPr>
               <a:pPr/>
-              <a:t>10/11/20</a:t>
+              <a:t>11/16/20</a:t>
             </a:fld>
             <a:endParaRPr lang="en-US">
               <a:solidFill>
@@ -8253,7 +8253,7 @@
                 </a:solidFill>
               </a:rPr>
               <a:pPr/>
-              <a:t>10/11/20</a:t>
+              <a:t>11/16/20</a:t>
             </a:fld>
             <a:endParaRPr lang="en-US">
               <a:solidFill>
@@ -13682,7 +13682,7 @@
                 <a:buFontTx/>
                 <a:buNone/>
               </a:pPr>
-              <a:t>10/11/20</a:t>
+              <a:t>11/16/20</a:t>
             </a:fld>
             <a:endParaRPr lang="en-US" kern="1200">
               <a:solidFill>
@@ -14264,7 +14264,23 @@
                 <a:ea typeface="Times New Roman" charset="0"/>
                 <a:cs typeface="Times New Roman" charset="0"/>
               </a:rPr>
-              <a:t>by Beau Christ</a:t>
+              <a:t>by Beau </a:t>
+            </a:r>
+            <a:r>
+              <a:rPr lang="en-US" sz="2700" i="1" dirty="0" smtClean="0">
+                <a:latin typeface="Times New Roman" charset="0"/>
+                <a:ea typeface="Times New Roman" charset="0"/>
+                <a:cs typeface="Times New Roman" charset="0"/>
+              </a:rPr>
+              <a:t>Christ and Aaron Weeden</a:t>
+            </a:r>
+            <a:r>
+              <a:rPr lang="en-US" sz="2700" i="1" dirty="0">
+                <a:latin typeface="Times New Roman" charset="0"/>
+                <a:ea typeface="Times New Roman" charset="0"/>
+                <a:cs typeface="Times New Roman" charset="0"/>
+              </a:rPr>
+              <a:t/>
             </a:r>
             <a:br>
               <a:rPr lang="en-US" sz="2700" i="1" dirty="0">
@@ -14314,6 +14330,30 @@
           <a:chExt cx="0" cy="0"/>
         </a:xfrm>
       </p:grpSpPr>
+      <p:pic>
+        <p:nvPicPr>
+          <p:cNvPr id="22" name="Picture 21"/>
+          <p:cNvPicPr>
+            <a:picLocks noChangeAspect="1"/>
+          </p:cNvPicPr>
+          <p:nvPr/>
+        </p:nvPicPr>
+        <p:blipFill>
+          <a:blip r:embed="rId3"/>
+          <a:stretch>
+            <a:fillRect/>
+          </a:stretch>
+        </p:blipFill>
+        <p:spPr>
+          <a:xfrm>
+            <a:off x="3167210" y="1322900"/>
+            <a:ext cx="2809579" cy="3463533"/>
+          </a:xfrm>
+          <a:prstGeom prst="rect">
+            <a:avLst/>
+          </a:prstGeom>
+        </p:spPr>
+      </p:pic>
       <p:sp>
         <p:nvSpPr>
           <p:cNvPr id="190" name="Google Shape;190;p20"/>
@@ -14368,8 +14408,8 @@
         </p:nvSpPr>
         <p:spPr>
           <a:xfrm>
-            <a:off x="819150" y="1664650"/>
-            <a:ext cx="7505700" cy="2448000"/>
+            <a:off x="928007" y="1977448"/>
+            <a:ext cx="2646893" cy="625596"/>
           </a:xfrm>
           <a:prstGeom prst="rect">
             <a:avLst/>
@@ -14391,39 +14431,35 @@
               <a:buNone/>
             </a:pPr>
             <a:r>
-              <a:rPr lang="en"/>
-              <a:t>The </a:t>
-            </a:r>
-            <a:r>
-              <a:rPr lang="en" b="1" u="sng"/>
+              <a:rPr lang="en-US" dirty="0" smtClean="0"/>
+              <a:t>A </a:t>
+            </a:r>
+            <a:r>
+              <a:rPr lang="en" b="1" u="sng" dirty="0" smtClean="0"/>
               <a:t>parallel</a:t>
             </a:r>
             <a:r>
-              <a:rPr lang="en"/>
-              <a:t> solution: have each process take a portion of the rows!</a:t>
-            </a:r>
-            <a:endParaRPr/>
-          </a:p>
-        </p:txBody>
-      </p:sp>
-      <p:pic>
-        <p:nvPicPr>
-          <p:cNvPr id="192" name="Google Shape;192;p20"/>
-          <p:cNvPicPr preferRelativeResize="0"/>
+              <a:rPr lang="en" dirty="0" smtClean="0"/>
+              <a:t> </a:t>
+            </a:r>
+            <a:r>
+              <a:rPr lang="en" dirty="0"/>
+              <a:t>solution: have each process take a portion of the rows!</a:t>
+            </a:r>
+            <a:endParaRPr dirty="0"/>
+          </a:p>
+        </p:txBody>
+      </p:sp>
+      <p:sp>
+        <p:nvSpPr>
+          <p:cNvPr id="194" name="Google Shape;194;p20"/>
+          <p:cNvSpPr txBox="1"/>
           <p:nvPr/>
-        </p:nvPicPr>
-        <p:blipFill>
-          <a:blip r:embed="rId3">
-            <a:alphaModFix/>
-          </a:blip>
-          <a:stretch>
-            <a:fillRect/>
-          </a:stretch>
-        </p:blipFill>
-        <p:spPr>
-          <a:xfrm>
-            <a:off x="2320394" y="2046426"/>
-            <a:ext cx="4503207" cy="2448001"/>
+        </p:nvSpPr>
+        <p:spPr>
+          <a:xfrm>
+            <a:off x="1190699" y="3430406"/>
+            <a:ext cx="1467300" cy="399600"/>
           </a:xfrm>
           <a:prstGeom prst="rect">
             <a:avLst/>
@@ -14433,17 +14469,58 @@
             <a:noFill/>
           </a:ln>
         </p:spPr>
-      </p:pic>
-      <p:sp>
-        <p:nvSpPr>
-          <p:cNvPr id="193" name="Google Shape;193;p20"/>
+        <p:txBody>
+          <a:bodyPr spcFirstLastPara="1" wrap="square" lIns="91425" tIns="91425" rIns="91425" bIns="91425" anchor="t" anchorCtr="0">
+            <a:noAutofit/>
+          </a:bodyPr>
+          <a:lstStyle/>
+          <a:p>
+            <a:pPr marL="0" lvl="0" indent="0" algn="l" rtl="0">
+              <a:spcBef>
+                <a:spcPts val="0"/>
+              </a:spcBef>
+              <a:spcAft>
+                <a:spcPts val="0"/>
+              </a:spcAft>
+              <a:buNone/>
+            </a:pPr>
+            <a:r>
+              <a:rPr lang="en" b="1">
+                <a:latin typeface="Calibri"/>
+                <a:ea typeface="Calibri"/>
+                <a:cs typeface="Calibri"/>
+                <a:sym typeface="Calibri"/>
+              </a:rPr>
+              <a:t>P1</a:t>
+            </a:r>
+            <a:r>
+              <a:rPr lang="en">
+                <a:latin typeface="Calibri"/>
+                <a:ea typeface="Calibri"/>
+                <a:cs typeface="Calibri"/>
+                <a:sym typeface="Calibri"/>
+              </a:rPr>
+              <a:t> could process these rows</a:t>
+            </a:r>
+            <a:endParaRPr dirty="0">
+              <a:latin typeface="Calibri"/>
+              <a:ea typeface="Calibri"/>
+              <a:cs typeface="Calibri"/>
+              <a:sym typeface="Calibri"/>
+            </a:endParaRPr>
+          </a:p>
+        </p:txBody>
+      </p:sp>
+      <p:sp>
+        <p:nvSpPr>
+          <p:cNvPr id="195" name="Google Shape;195;p20"/>
           <p:cNvSpPr txBox="1"/>
           <p:nvPr/>
         </p:nvSpPr>
         <p:spPr>
           <a:xfrm>
-            <a:off x="2415750" y="4629250"/>
-            <a:ext cx="4312500" cy="399600"/>
+            <a:off x="1190712" y="4290554"/>
+            <a:ext cx="1467300" cy="399600"/>
           </a:xfrm>
           <a:prstGeom prst="rect">
             <a:avLst/>
@@ -14469,65 +14546,13 @@
               <a:buNone/>
             </a:pPr>
             <a:r>
-              <a:rPr lang="en" sz="1100">
-                <a:latin typeface="Calibri"/>
-                <a:ea typeface="Calibri"/>
-                <a:cs typeface="Calibri"/>
-                <a:sym typeface="Calibri"/>
-              </a:rPr>
-              <a:t>Image from: https://insidehpc.com/2016/01/heterogeneous-streams/</a:t>
-            </a:r>
-            <a:endParaRPr sz="1100">
-              <a:latin typeface="Calibri"/>
-              <a:ea typeface="Calibri"/>
-              <a:cs typeface="Calibri"/>
-              <a:sym typeface="Calibri"/>
-            </a:endParaRPr>
-          </a:p>
-        </p:txBody>
-      </p:sp>
-      <p:sp>
-        <p:nvSpPr>
-          <p:cNvPr id="194" name="Google Shape;194;p20"/>
-          <p:cNvSpPr txBox="1"/>
-          <p:nvPr/>
-        </p:nvSpPr>
-        <p:spPr>
-          <a:xfrm>
-            <a:off x="268075" y="2301663"/>
-            <a:ext cx="1467300" cy="399600"/>
-          </a:xfrm>
-          <a:prstGeom prst="rect">
-            <a:avLst/>
-          </a:prstGeom>
-          <a:noFill/>
-          <a:ln>
-            <a:noFill/>
-          </a:ln>
-        </p:spPr>
-        <p:txBody>
-          <a:bodyPr spcFirstLastPara="1" wrap="square" lIns="91425" tIns="91425" rIns="91425" bIns="91425" anchor="t" anchorCtr="0">
-            <a:noAutofit/>
-          </a:bodyPr>
-          <a:lstStyle/>
-          <a:p>
-            <a:pPr marL="0" lvl="0" indent="0" algn="l" rtl="0">
-              <a:spcBef>
-                <a:spcPts val="0"/>
-              </a:spcBef>
-              <a:spcAft>
-                <a:spcPts val="0"/>
-              </a:spcAft>
-              <a:buNone/>
-            </a:pPr>
-            <a:r>
               <a:rPr lang="en" b="1">
                 <a:latin typeface="Calibri"/>
                 <a:ea typeface="Calibri"/>
                 <a:cs typeface="Calibri"/>
                 <a:sym typeface="Calibri"/>
               </a:rPr>
-              <a:t>P1</a:t>
+              <a:t>P2</a:t>
             </a:r>
             <a:r>
               <a:rPr lang="en">
@@ -14538,7 +14563,7 @@
               </a:rPr>
               <a:t> could process these rows</a:t>
             </a:r>
-            <a:endParaRPr>
+            <a:endParaRPr dirty="0">
               <a:latin typeface="Calibri"/>
               <a:ea typeface="Calibri"/>
               <a:cs typeface="Calibri"/>
@@ -14549,75 +14574,14 @@
       </p:sp>
       <p:sp>
         <p:nvSpPr>
-          <p:cNvPr id="195" name="Google Shape;195;p20"/>
-          <p:cNvSpPr txBox="1"/>
-          <p:nvPr/>
-        </p:nvSpPr>
-        <p:spPr>
-          <a:xfrm>
-            <a:off x="268100" y="3202725"/>
-            <a:ext cx="1467300" cy="399600"/>
-          </a:xfrm>
-          <a:prstGeom prst="rect">
-            <a:avLst/>
-          </a:prstGeom>
-          <a:noFill/>
-          <a:ln>
-            <a:noFill/>
-          </a:ln>
-        </p:spPr>
-        <p:txBody>
-          <a:bodyPr spcFirstLastPara="1" wrap="square" lIns="91425" tIns="91425" rIns="91425" bIns="91425" anchor="t" anchorCtr="0">
-            <a:noAutofit/>
-          </a:bodyPr>
-          <a:lstStyle/>
-          <a:p>
-            <a:pPr marL="0" lvl="0" indent="0" algn="l" rtl="0">
-              <a:spcBef>
-                <a:spcPts val="0"/>
-              </a:spcBef>
-              <a:spcAft>
-                <a:spcPts val="0"/>
-              </a:spcAft>
-              <a:buNone/>
-            </a:pPr>
-            <a:r>
-              <a:rPr lang="en" b="1">
-                <a:latin typeface="Calibri"/>
-                <a:ea typeface="Calibri"/>
-                <a:cs typeface="Calibri"/>
-                <a:sym typeface="Calibri"/>
-              </a:rPr>
-              <a:t>P2</a:t>
-            </a:r>
-            <a:r>
-              <a:rPr lang="en">
-                <a:latin typeface="Calibri"/>
-                <a:ea typeface="Calibri"/>
-                <a:cs typeface="Calibri"/>
-                <a:sym typeface="Calibri"/>
-              </a:rPr>
-              <a:t> could process these rows</a:t>
-            </a:r>
-            <a:endParaRPr>
-              <a:latin typeface="Calibri"/>
-              <a:ea typeface="Calibri"/>
-              <a:cs typeface="Calibri"/>
-              <a:sym typeface="Calibri"/>
-            </a:endParaRPr>
-          </a:p>
-        </p:txBody>
-      </p:sp>
-      <p:sp>
-        <p:nvSpPr>
           <p:cNvPr id="196" name="Google Shape;196;p20"/>
           <p:cNvSpPr/>
           <p:nvPr/>
         </p:nvSpPr>
         <p:spPr>
           <a:xfrm>
-            <a:off x="2271975" y="2566500"/>
-            <a:ext cx="144000" cy="588900"/>
+            <a:off x="3055214" y="3140160"/>
+            <a:ext cx="111996" cy="980093"/>
           </a:xfrm>
           <a:prstGeom prst="leftBrace">
             <a:avLst>
@@ -14663,8 +14627,8 @@
         </p:nvSpPr>
         <p:spPr>
           <a:xfrm>
-            <a:off x="2271825" y="3202725"/>
-            <a:ext cx="144000" cy="342000"/>
+            <a:off x="3055214" y="4194276"/>
+            <a:ext cx="111996" cy="592157"/>
           </a:xfrm>
           <a:prstGeom prst="leftBrace">
             <a:avLst>
@@ -14713,8 +14677,8 @@
         </p:nvCxnSpPr>
         <p:spPr>
           <a:xfrm>
-            <a:off x="1735375" y="2501463"/>
-            <a:ext cx="536700" cy="359400"/>
+            <a:off x="2657999" y="3630206"/>
+            <a:ext cx="397215" cy="1"/>
           </a:xfrm>
           <a:prstGeom prst="straightConnector1">
             <a:avLst/>
@@ -14741,9 +14705,9 @@
           <p:nvPr/>
         </p:nvCxnSpPr>
         <p:spPr>
-          <a:xfrm rot="10800000" flipH="1">
-            <a:off x="1735400" y="3373725"/>
-            <a:ext cx="536400" cy="28800"/>
+          <a:xfrm>
+            <a:off x="2658012" y="4490354"/>
+            <a:ext cx="397202" cy="1"/>
           </a:xfrm>
           <a:prstGeom prst="straightConnector1">
             <a:avLst/>
@@ -14765,6 +14729,13 @@
   <p:clrMapOvr>
     <a:masterClrMapping/>
   </p:clrMapOvr>
+  <p:timing>
+    <p:tnLst>
+      <p:par>
+        <p:cTn id="1" dur="indefinite" restart="never" nodeType="tmRoot"/>
+      </p:par>
+    </p:tnLst>
+  </p:timing>
 </p:sld>
 </file>
 
@@ -14998,11 +14969,81 @@
           </a:ln>
         </p:spPr>
       </p:sp>
+      <p:sp>
+        <p:nvSpPr>
+          <p:cNvPr id="7" name="Google Shape;114;p16"/>
+          <p:cNvSpPr txBox="1"/>
+          <p:nvPr/>
+        </p:nvSpPr>
+        <p:spPr>
+          <a:xfrm>
+            <a:off x="185950" y="4596674"/>
+            <a:ext cx="8740335" cy="345440"/>
+          </a:xfrm>
+          <a:prstGeom prst="rect">
+            <a:avLst/>
+          </a:prstGeom>
+          <a:noFill/>
+          <a:ln>
+            <a:noFill/>
+          </a:ln>
+        </p:spPr>
+        <p:txBody>
+          <a:bodyPr spcFirstLastPara="1" wrap="square" lIns="91425" tIns="91425" rIns="91425" bIns="91425" anchor="t" anchorCtr="0">
+            <a:noAutofit/>
+          </a:bodyPr>
+          <a:lstStyle/>
+          <a:p>
+            <a:pPr lvl="0" algn="ctr"/>
+            <a:r>
+              <a:rPr lang="en-US" sz="1200" dirty="0" smtClean="0">
+                <a:latin typeface="Roboto"/>
+                <a:ea typeface="Roboto"/>
+                <a:cs typeface="Roboto"/>
+                <a:sym typeface="Roboto"/>
+              </a:rPr>
+              <a:t>Image: </a:t>
+            </a:r>
+            <a:r>
+              <a:rPr lang="en-US" sz="1200" dirty="0" smtClean="0">
+                <a:latin typeface="Roboto"/>
+                <a:ea typeface="Roboto"/>
+                <a:cs typeface="Roboto"/>
+                <a:sym typeface="Roboto"/>
+                <a:hlinkClick r:id="rId4"/>
+              </a:rPr>
+              <a:t>Trapezoidal_rule_illustration.svg</a:t>
+            </a:r>
+            <a:r>
+              <a:rPr lang="en-US" sz="1200" dirty="0" smtClean="0">
+                <a:latin typeface="Roboto"/>
+                <a:ea typeface="Roboto"/>
+                <a:cs typeface="Roboto"/>
+                <a:sym typeface="Roboto"/>
+              </a:rPr>
+              <a:t> is in the public domain.</a:t>
+            </a:r>
+            <a:endParaRPr sz="1200" dirty="0">
+              <a:latin typeface="Roboto"/>
+              <a:ea typeface="Roboto"/>
+              <a:cs typeface="Roboto"/>
+              <a:sym typeface="Roboto"/>
+            </a:endParaRPr>
+          </a:p>
+        </p:txBody>
+      </p:sp>
     </p:spTree>
   </p:cSld>
   <p:clrMapOvr>
     <a:masterClrMapping/>
   </p:clrMapOvr>
+  <p:timing>
+    <p:tnLst>
+      <p:par>
+        <p:cTn id="1" dur="indefinite" restart="never" nodeType="tmRoot"/>
+      </p:par>
+    </p:tnLst>
+  </p:timing>
 </p:sld>
 </file>
 
@@ -15449,11 +15490,81 @@
           </a:ln>
         </p:spPr>
       </p:cxnSp>
+      <p:sp>
+        <p:nvSpPr>
+          <p:cNvPr id="11" name="Google Shape;114;p16"/>
+          <p:cNvSpPr txBox="1"/>
+          <p:nvPr/>
+        </p:nvSpPr>
+        <p:spPr>
+          <a:xfrm>
+            <a:off x="185950" y="4596674"/>
+            <a:ext cx="8740335" cy="345440"/>
+          </a:xfrm>
+          <a:prstGeom prst="rect">
+            <a:avLst/>
+          </a:prstGeom>
+          <a:noFill/>
+          <a:ln>
+            <a:noFill/>
+          </a:ln>
+        </p:spPr>
+        <p:txBody>
+          <a:bodyPr spcFirstLastPara="1" wrap="square" lIns="91425" tIns="91425" rIns="91425" bIns="91425" anchor="t" anchorCtr="0">
+            <a:noAutofit/>
+          </a:bodyPr>
+          <a:lstStyle/>
+          <a:p>
+            <a:pPr lvl="0" algn="ctr"/>
+            <a:r>
+              <a:rPr lang="en-US" sz="1200" dirty="0" smtClean="0">
+                <a:latin typeface="Roboto"/>
+                <a:ea typeface="Roboto"/>
+                <a:cs typeface="Roboto"/>
+                <a:sym typeface="Roboto"/>
+              </a:rPr>
+              <a:t>Image: </a:t>
+            </a:r>
+            <a:r>
+              <a:rPr lang="en-US" sz="1200" dirty="0" smtClean="0">
+                <a:latin typeface="Roboto"/>
+                <a:ea typeface="Roboto"/>
+                <a:cs typeface="Roboto"/>
+                <a:sym typeface="Roboto"/>
+                <a:hlinkClick r:id="rId4"/>
+              </a:rPr>
+              <a:t>Trapezoidal_rule_illustration.svg</a:t>
+            </a:r>
+            <a:r>
+              <a:rPr lang="en-US" sz="1200" dirty="0" smtClean="0">
+                <a:latin typeface="Roboto"/>
+                <a:ea typeface="Roboto"/>
+                <a:cs typeface="Roboto"/>
+                <a:sym typeface="Roboto"/>
+              </a:rPr>
+              <a:t> is in the public domain.</a:t>
+            </a:r>
+            <a:endParaRPr sz="1200" dirty="0">
+              <a:latin typeface="Roboto"/>
+              <a:ea typeface="Roboto"/>
+              <a:cs typeface="Roboto"/>
+              <a:sym typeface="Roboto"/>
+            </a:endParaRPr>
+          </a:p>
+        </p:txBody>
+      </p:sp>
     </p:spTree>
   </p:cSld>
   <p:clrMapOvr>
     <a:masterClrMapping/>
   </p:clrMapOvr>
+  <p:timing>
+    <p:tnLst>
+      <p:par>
+        <p:cTn id="1" dur="indefinite" restart="never" nodeType="tmRoot"/>
+      </p:par>
+    </p:tnLst>
+  </p:timing>
 </p:sld>
 </file>
 
@@ -15638,6 +15749,13 @@
   <p:clrMapOvr>
     <a:masterClrMapping/>
   </p:clrMapOvr>
+  <p:timing>
+    <p:tnLst>
+      <p:par>
+        <p:cTn id="1" dur="indefinite" restart="never" nodeType="tmRoot"/>
+      </p:par>
+    </p:tnLst>
+  </p:timing>
 </p:sld>
 </file>
 
@@ -15693,10 +15811,10 @@
               <a:buNone/>
             </a:pPr>
             <a:r>
-              <a:rPr lang="en"/>
+              <a:rPr lang="en" dirty="0"/>
               <a:t>Example #2: Trapezoidal Rule</a:t>
             </a:r>
-            <a:endParaRPr/>
+            <a:endParaRPr dirty="0"/>
           </a:p>
         </p:txBody>
       </p:sp>
@@ -15786,7 +15904,7 @@
         </p:blipFill>
         <p:spPr>
           <a:xfrm>
-            <a:off x="5333250" y="2156275"/>
+            <a:off x="5333250" y="2025643"/>
             <a:ext cx="3108072" cy="2604625"/>
           </a:xfrm>
           <a:prstGeom prst="rect">
@@ -15798,11 +15916,146 @@
           </a:ln>
         </p:spPr>
       </p:pic>
+      <p:sp>
+        <p:nvSpPr>
+          <p:cNvPr id="6" name="Google Shape;114;p16"/>
+          <p:cNvSpPr txBox="1"/>
+          <p:nvPr/>
+        </p:nvSpPr>
+        <p:spPr>
+          <a:xfrm>
+            <a:off x="195943" y="4615050"/>
+            <a:ext cx="8730343" cy="291699"/>
+          </a:xfrm>
+          <a:prstGeom prst="rect">
+            <a:avLst/>
+          </a:prstGeom>
+          <a:noFill/>
+          <a:ln>
+            <a:noFill/>
+          </a:ln>
+        </p:spPr>
+        <p:txBody>
+          <a:bodyPr spcFirstLastPara="1" wrap="square" lIns="91425" tIns="91425" rIns="91425" bIns="91425" anchor="t" anchorCtr="0">
+            <a:noAutofit/>
+          </a:bodyPr>
+          <a:lstStyle/>
+          <a:p>
+            <a:pPr algn="r"/>
+            <a:r>
+              <a:rPr lang="en-US" sz="1200" dirty="0" smtClean="0">
+                <a:latin typeface="Roboto"/>
+                <a:ea typeface="Roboto"/>
+                <a:cs typeface="Roboto"/>
+                <a:sym typeface="Roboto"/>
+              </a:rPr>
+              <a:t>Image</a:t>
+            </a:r>
+            <a:r>
+              <a:rPr lang="en-US" sz="1200" dirty="0" smtClean="0">
+                <a:latin typeface="Roboto"/>
+                <a:ea typeface="Roboto"/>
+                <a:cs typeface="Roboto"/>
+                <a:sym typeface="Roboto"/>
+              </a:rPr>
+              <a:t>: </a:t>
+            </a:r>
+            <a:r>
+              <a:rPr lang="en-US" sz="1200" dirty="0" smtClean="0">
+                <a:latin typeface="Roboto"/>
+                <a:ea typeface="Roboto"/>
+                <a:cs typeface="Roboto"/>
+                <a:sym typeface="Roboto"/>
+                <a:hlinkClick r:id="rId5"/>
+              </a:rPr>
+              <a:t>Integration num trapezes notation.svg</a:t>
+            </a:r>
+            <a:r>
+              <a:rPr lang="en-US" sz="1200" dirty="0" smtClean="0">
+                <a:latin typeface="Roboto"/>
+                <a:ea typeface="Roboto"/>
+                <a:cs typeface="Roboto"/>
+                <a:sym typeface="Roboto"/>
+              </a:rPr>
+              <a:t> </a:t>
+            </a:r>
+            <a:r>
+              <a:rPr lang="en-US" sz="1200" dirty="0" smtClean="0">
+                <a:latin typeface="Roboto"/>
+                <a:ea typeface="Roboto"/>
+                <a:cs typeface="Roboto"/>
+                <a:sym typeface="Roboto"/>
+              </a:rPr>
+              <a:t>by </a:t>
+            </a:r>
+            <a:r>
+              <a:rPr lang="en-US" sz="1200" dirty="0">
+                <a:latin typeface="Roboto"/>
+                <a:ea typeface="Roboto"/>
+                <a:cs typeface="Roboto"/>
+                <a:sym typeface="Roboto"/>
+              </a:rPr>
+              <a:t>Scaler and </a:t>
+            </a:r>
+            <a:r>
+              <a:rPr lang="en-US" sz="1200" dirty="0">
+                <a:latin typeface="Roboto"/>
+                <a:ea typeface="Roboto"/>
+                <a:cs typeface="Roboto"/>
+                <a:sym typeface="Roboto"/>
+                <a:hlinkClick r:id="rId6"/>
+              </a:rPr>
+              <a:t>Cdang</a:t>
+            </a:r>
+            <a:r>
+              <a:rPr lang="en-US" sz="1200" dirty="0">
+                <a:latin typeface="Roboto"/>
+                <a:ea typeface="Roboto"/>
+                <a:cs typeface="Roboto"/>
+                <a:sym typeface="Roboto"/>
+              </a:rPr>
+              <a:t> </a:t>
+            </a:r>
+            <a:r>
+              <a:rPr lang="en-US" sz="1200" dirty="0" smtClean="0">
+                <a:latin typeface="Roboto"/>
+                <a:ea typeface="Roboto"/>
+                <a:cs typeface="Roboto"/>
+                <a:sym typeface="Roboto"/>
+              </a:rPr>
+              <a:t>is licensed under </a:t>
+            </a:r>
+            <a:r>
+              <a:rPr lang="en-US" sz="1200" dirty="0" smtClean="0">
+                <a:latin typeface="Roboto"/>
+                <a:ea typeface="Roboto"/>
+                <a:cs typeface="Roboto"/>
+                <a:sym typeface="Roboto"/>
+                <a:hlinkClick r:id="rId7"/>
+              </a:rPr>
+              <a:t>CC BY-SA 3.0</a:t>
+            </a:r>
+            <a:endParaRPr sz="1200" dirty="0">
+              <a:latin typeface="Roboto"/>
+              <a:ea typeface="Roboto"/>
+              <a:cs typeface="Roboto"/>
+              <a:sym typeface="Roboto"/>
+            </a:endParaRPr>
+          </a:p>
+        </p:txBody>
+      </p:sp>
     </p:spTree>
   </p:cSld>
   <p:clrMapOvr>
     <a:masterClrMapping/>
   </p:clrMapOvr>
+  <p:timing>
+    <p:tnLst>
+      <p:par>
+        <p:cTn id="1" dur="indefinite" restart="never" nodeType="tmRoot"/>
+      </p:par>
+    </p:tnLst>
+  </p:timing>
 </p:sld>
 </file>
 
@@ -15971,6 +16224,13 @@
   <p:clrMapOvr>
     <a:masterClrMapping/>
   </p:clrMapOvr>
+  <p:timing>
+    <p:tnLst>
+      <p:par>
+        <p:cTn id="1" dur="indefinite" restart="never" nodeType="tmRoot"/>
+      </p:par>
+    </p:tnLst>
+  </p:timing>
 </p:sld>
 </file>
 
@@ -16435,6 +16695,13 @@
   <p:clrMapOvr>
     <a:masterClrMapping/>
   </p:clrMapOvr>
+  <p:timing>
+    <p:tnLst>
+      <p:par>
+        <p:cTn id="1" dur="indefinite" restart="never" nodeType="tmRoot"/>
+      </p:par>
+    </p:tnLst>
+  </p:timing>
 </p:sld>
 </file>
 
@@ -16859,6 +17126,13 @@
   <p:clrMapOvr>
     <a:masterClrMapping/>
   </p:clrMapOvr>
+  <p:timing>
+    <p:tnLst>
+      <p:par>
+        <p:cTn id="1" dur="indefinite" restart="never" nodeType="tmRoot"/>
+      </p:par>
+    </p:tnLst>
+  </p:timing>
 </p:sld>
 </file>
 
@@ -17008,6 +17282,13 @@
   <p:clrMapOvr>
     <a:masterClrMapping/>
   </p:clrMapOvr>
+  <p:timing>
+    <p:tnLst>
+      <p:par>
+        <p:cTn id="1" dur="indefinite" restart="never" nodeType="tmRoot"/>
+      </p:par>
+    </p:tnLst>
+  </p:timing>
 </p:sld>
 </file>
 
@@ -17197,6 +17478,13 @@
   <p:clrMapOvr>
     <a:masterClrMapping/>
   </p:clrMapOvr>
+  <p:timing>
+    <p:tnLst>
+      <p:par>
+        <p:cTn id="1" dur="indefinite" restart="never" nodeType="tmRoot"/>
+      </p:par>
+    </p:tnLst>
+  </p:timing>
 </p:sld>
 </file>
 
@@ -17471,6 +17759,13 @@
   <p:clrMapOvr>
     <a:masterClrMapping/>
   </p:clrMapOvr>
+  <p:timing>
+    <p:tnLst>
+      <p:par>
+        <p:cTn id="1" dur="indefinite" restart="never" nodeType="tmRoot"/>
+      </p:par>
+    </p:tnLst>
+  </p:timing>
 </p:sld>
 </file>
 
@@ -17526,10 +17821,10 @@
               <a:buNone/>
             </a:pPr>
             <a:r>
-              <a:rPr lang="en"/>
+              <a:rPr lang="en" dirty="0"/>
               <a:t>Example #3: Odd-Even Transposition Sort</a:t>
             </a:r>
-            <a:endParaRPr/>
+            <a:endParaRPr dirty="0"/>
           </a:p>
         </p:txBody>
       </p:sp>
@@ -17629,89 +17924,40 @@
       </p:sp>
       <p:pic>
         <p:nvPicPr>
-          <p:cNvPr id="289" name="Google Shape;289;p30"/>
-          <p:cNvPicPr preferRelativeResize="0"/>
+          <p:cNvPr id="4" name="Picture 3"/>
+          <p:cNvPicPr>
+            <a:picLocks noChangeAspect="1"/>
+          </p:cNvPicPr>
           <p:nvPr/>
         </p:nvPicPr>
         <p:blipFill>
-          <a:blip r:embed="rId3">
-            <a:alphaModFix/>
-          </a:blip>
+          <a:blip r:embed="rId3"/>
           <a:stretch>
             <a:fillRect/>
           </a:stretch>
         </p:blipFill>
         <p:spPr>
           <a:xfrm>
-            <a:off x="4450250" y="1538425"/>
-            <a:ext cx="4152775" cy="2826725"/>
+            <a:off x="5291015" y="1502228"/>
+            <a:ext cx="2523100" cy="3260271"/>
           </a:xfrm>
           <a:prstGeom prst="rect">
             <a:avLst/>
           </a:prstGeom>
-          <a:noFill/>
-          <a:ln>
-            <a:noFill/>
-          </a:ln>
         </p:spPr>
       </p:pic>
-      <p:sp>
-        <p:nvSpPr>
-          <p:cNvPr id="290" name="Google Shape;290;p30"/>
-          <p:cNvSpPr txBox="1"/>
-          <p:nvPr/>
-        </p:nvSpPr>
-        <p:spPr>
-          <a:xfrm>
-            <a:off x="1491000" y="4438725"/>
-            <a:ext cx="6162000" cy="452400"/>
-          </a:xfrm>
-          <a:prstGeom prst="rect">
-            <a:avLst/>
-          </a:prstGeom>
-          <a:noFill/>
-          <a:ln>
-            <a:noFill/>
-          </a:ln>
-        </p:spPr>
-        <p:txBody>
-          <a:bodyPr spcFirstLastPara="1" wrap="square" lIns="91425" tIns="91425" rIns="91425" bIns="91425" anchor="t" anchorCtr="0">
-            <a:noAutofit/>
-          </a:bodyPr>
-          <a:lstStyle/>
-          <a:p>
-            <a:pPr marL="0" lvl="0" indent="0" algn="l" rtl="0">
-              <a:spcBef>
-                <a:spcPts val="0"/>
-              </a:spcBef>
-              <a:spcAft>
-                <a:spcPts val="0"/>
-              </a:spcAft>
-              <a:buNone/>
-            </a:pPr>
-            <a:r>
-              <a:rPr lang="en" sz="1100">
-                <a:latin typeface="Calibri"/>
-                <a:ea typeface="Calibri"/>
-                <a:cs typeface="Calibri"/>
-                <a:sym typeface="Calibri"/>
-              </a:rPr>
-              <a:t>Image from: https://www.geeksforgeeks.org/odd-even-transposition-sort-brick-sort-using-pthreads/</a:t>
-            </a:r>
-            <a:endParaRPr sz="1100">
-              <a:latin typeface="Calibri"/>
-              <a:ea typeface="Calibri"/>
-              <a:cs typeface="Calibri"/>
-              <a:sym typeface="Calibri"/>
-            </a:endParaRPr>
-          </a:p>
-        </p:txBody>
-      </p:sp>
     </p:spTree>
   </p:cSld>
   <p:clrMapOvr>
     <a:masterClrMapping/>
   </p:clrMapOvr>
+  <p:timing>
+    <p:tnLst>
+      <p:par>
+        <p:cTn id="1" dur="indefinite" restart="never" nodeType="tmRoot"/>
+      </p:par>
+    </p:tnLst>
+  </p:timing>
 </p:sld>
 </file>
 
@@ -17786,7 +18032,7 @@
         </p:nvSpPr>
         <p:spPr>
           <a:xfrm>
-            <a:off x="819150" y="1990725"/>
+            <a:off x="819150" y="1740347"/>
             <a:ext cx="2094600" cy="357900"/>
           </a:xfrm>
           <a:prstGeom prst="rect">
@@ -17822,7 +18068,7 @@
       </p:sp>
       <p:pic>
         <p:nvPicPr>
-          <p:cNvPr id="297" name="Google Shape;297;p31"/>
+          <p:cNvPr id="298" name="Google Shape;298;p31"/>
           <p:cNvPicPr preferRelativeResize="0"/>
           <p:nvPr/>
         </p:nvPicPr>
@@ -17836,7 +18082,7 @@
         </p:blipFill>
         <p:spPr>
           <a:xfrm>
-            <a:off x="1138325" y="2458088"/>
+            <a:off x="4651475" y="2207710"/>
             <a:ext cx="2667000" cy="2257425"/>
           </a:xfrm>
           <a:prstGeom prst="rect">
@@ -17848,24 +18094,103 @@
           </a:ln>
         </p:spPr>
       </p:pic>
+      <p:sp>
+        <p:nvSpPr>
+          <p:cNvPr id="299" name="Google Shape;299;p31"/>
+          <p:cNvSpPr txBox="1">
+            <a:spLocks noGrp="1"/>
+          </p:cNvSpPr>
+          <p:nvPr>
+            <p:ph type="body" idx="1"/>
+          </p:nvPr>
+        </p:nvSpPr>
+        <p:spPr>
+          <a:xfrm>
+            <a:off x="5094750" y="1740347"/>
+            <a:ext cx="2962500" cy="357900"/>
+          </a:xfrm>
+          <a:prstGeom prst="rect">
+            <a:avLst/>
+          </a:prstGeom>
+        </p:spPr>
+        <p:txBody>
+          <a:bodyPr spcFirstLastPara="1" wrap="square" lIns="91425" tIns="91425" rIns="91425" bIns="91425" anchor="t" anchorCtr="0">
+            <a:noAutofit/>
+          </a:bodyPr>
+          <a:lstStyle/>
+          <a:p>
+            <a:pPr marL="0" lvl="0" indent="0" algn="l" rtl="0">
+              <a:spcBef>
+                <a:spcPts val="0"/>
+              </a:spcBef>
+              <a:spcAft>
+                <a:spcPts val="1600"/>
+              </a:spcAft>
+              <a:buNone/>
+            </a:pPr>
+            <a:r>
+              <a:rPr lang="en" dirty="0"/>
+              <a:t>Visualizing </a:t>
+            </a:r>
+            <a:r>
+              <a:rPr lang="en" b="1" dirty="0"/>
+              <a:t>Odd-Even Transposition Sort</a:t>
+            </a:r>
+            <a:endParaRPr b="1" dirty="0"/>
+          </a:p>
+        </p:txBody>
+      </p:sp>
       <p:pic>
         <p:nvPicPr>
-          <p:cNvPr id="298" name="Google Shape;298;p31"/>
-          <p:cNvPicPr preferRelativeResize="0"/>
+          <p:cNvPr id="1026" name="Picture 2" descr="ile:Bubble sort animation.gif"/>
+          <p:cNvPicPr>
+            <a:picLocks noChangeAspect="1" noChangeArrowheads="1"/>
+          </p:cNvPicPr>
           <p:nvPr/>
         </p:nvPicPr>
         <p:blipFill>
           <a:blip r:embed="rId4">
-            <a:alphaModFix/>
+            <a:extLst>
+              <a:ext uri="{28A0092B-C50C-407E-A947-70E740481C1C}">
+                <a14:useLocalDpi xmlns:a14="http://schemas.microsoft.com/office/drawing/2010/main" val="0"/>
+              </a:ext>
+            </a:extLst>
           </a:blip>
+          <a:srcRect/>
           <a:stretch>
             <a:fillRect/>
           </a:stretch>
         </p:blipFill>
-        <p:spPr>
-          <a:xfrm>
-            <a:off x="4651475" y="2458088"/>
+        <p:spPr bwMode="auto">
+          <a:xfrm>
+            <a:off x="1138325" y="2207709"/>
             <a:ext cx="2667000" cy="2257425"/>
+          </a:xfrm>
+          <a:prstGeom prst="rect">
+            <a:avLst/>
+          </a:prstGeom>
+          <a:noFill/>
+          <a:extLst>
+            <a:ext uri="{909E8E84-426E-40DD-AFC4-6F175D3DCCD1}">
+              <a14:hiddenFill xmlns:a14="http://schemas.microsoft.com/office/drawing/2010/main">
+                <a:solidFill>
+                  <a:srgbClr val="FFFFFF"/>
+                </a:solidFill>
+              </a14:hiddenFill>
+            </a:ext>
+          </a:extLst>
+        </p:spPr>
+      </p:pic>
+      <p:sp>
+        <p:nvSpPr>
+          <p:cNvPr id="8" name="Google Shape;114;p16"/>
+          <p:cNvSpPr txBox="1"/>
+          <p:nvPr/>
+        </p:nvSpPr>
+        <p:spPr>
+          <a:xfrm>
+            <a:off x="206829" y="4578816"/>
+            <a:ext cx="8719457" cy="291699"/>
           </a:xfrm>
           <a:prstGeom prst="rect">
             <a:avLst/>
@@ -17875,50 +18200,161 @@
             <a:noFill/>
           </a:ln>
         </p:spPr>
-      </p:pic>
-      <p:sp>
-        <p:nvSpPr>
-          <p:cNvPr id="299" name="Google Shape;299;p31"/>
-          <p:cNvSpPr txBox="1">
-            <a:spLocks noGrp="1"/>
-          </p:cNvSpPr>
-          <p:nvPr>
-            <p:ph type="body" idx="1"/>
-          </p:nvPr>
-        </p:nvSpPr>
-        <p:spPr>
-          <a:xfrm>
-            <a:off x="5094750" y="1990725"/>
-            <a:ext cx="2962500" cy="357900"/>
-          </a:xfrm>
-          <a:prstGeom prst="rect">
-            <a:avLst/>
-          </a:prstGeom>
-        </p:spPr>
         <p:txBody>
           <a:bodyPr spcFirstLastPara="1" wrap="square" lIns="91425" tIns="91425" rIns="91425" bIns="91425" anchor="t" anchorCtr="0">
             <a:noAutofit/>
           </a:bodyPr>
           <a:lstStyle/>
           <a:p>
-            <a:pPr marL="0" lvl="0" indent="0" algn="l" rtl="0">
-              <a:spcBef>
-                <a:spcPts val="0"/>
-              </a:spcBef>
-              <a:spcAft>
-                <a:spcPts val="1600"/>
-              </a:spcAft>
-              <a:buNone/>
-            </a:pPr>
-            <a:r>
-              <a:rPr lang="en"/>
-              <a:t>Visualizing </a:t>
-            </a:r>
-            <a:r>
-              <a:rPr lang="en" b="1"/>
-              <a:t>Odd-Even Transposition Sort</a:t>
-            </a:r>
-            <a:endParaRPr b="1"/>
+            <a:pPr algn="r"/>
+            <a:r>
+              <a:rPr lang="en-US" sz="1100" dirty="0" smtClean="0">
+                <a:latin typeface="Roboto"/>
+                <a:ea typeface="Roboto"/>
+                <a:cs typeface="Roboto"/>
+                <a:sym typeface="Roboto"/>
+              </a:rPr>
+              <a:t>Images: </a:t>
+            </a:r>
+            <a:r>
+              <a:rPr lang="en-US" sz="1100" dirty="0" smtClean="0">
+                <a:latin typeface="Roboto"/>
+                <a:ea typeface="Roboto"/>
+                <a:cs typeface="Roboto"/>
+                <a:sym typeface="Roboto"/>
+                <a:hlinkClick r:id="rId5"/>
+              </a:rPr>
+              <a:t>Bubble sort animation.gif</a:t>
+            </a:r>
+            <a:r>
+              <a:rPr lang="en-US" sz="1100" dirty="0" smtClean="0">
+                <a:latin typeface="Roboto"/>
+                <a:ea typeface="Roboto"/>
+                <a:cs typeface="Roboto"/>
+                <a:sym typeface="Roboto"/>
+              </a:rPr>
+              <a:t> by </a:t>
+            </a:r>
+            <a:r>
+              <a:rPr lang="en-US" sz="1100" dirty="0" smtClean="0">
+                <a:latin typeface="Roboto"/>
+                <a:ea typeface="Roboto"/>
+                <a:cs typeface="Roboto"/>
+                <a:sym typeface="Roboto"/>
+                <a:hlinkClick r:id="rId6"/>
+              </a:rPr>
+              <a:t>Nmnogueira</a:t>
+            </a:r>
+            <a:r>
+              <a:rPr lang="en-US" sz="1100" dirty="0" smtClean="0">
+                <a:latin typeface="Roboto"/>
+                <a:ea typeface="Roboto"/>
+                <a:cs typeface="Roboto"/>
+                <a:sym typeface="Roboto"/>
+              </a:rPr>
+              <a:t> and </a:t>
+            </a:r>
+            <a:r>
+              <a:rPr lang="en-US" sz="1100" dirty="0" smtClean="0">
+                <a:latin typeface="Roboto"/>
+                <a:ea typeface="Roboto"/>
+                <a:cs typeface="Roboto"/>
+                <a:sym typeface="Roboto"/>
+                <a:hlinkClick r:id="rId7"/>
+              </a:rPr>
+              <a:t>Hydrargyrum</a:t>
+            </a:r>
+            <a:r>
+              <a:rPr lang="en-US" sz="1100" dirty="0" smtClean="0">
+                <a:latin typeface="Roboto"/>
+                <a:ea typeface="Roboto"/>
+                <a:cs typeface="Roboto"/>
+                <a:sym typeface="Roboto"/>
+              </a:rPr>
+              <a:t> </a:t>
+            </a:r>
+            <a:r>
+              <a:rPr lang="en-US" sz="1100" dirty="0">
+                <a:latin typeface="Roboto"/>
+                <a:ea typeface="Roboto"/>
+                <a:cs typeface="Roboto"/>
+                <a:sym typeface="Roboto"/>
+              </a:rPr>
+              <a:t>and </a:t>
+            </a:r>
+            <a:r>
+              <a:rPr lang="en-US" sz="1100" dirty="0">
+                <a:latin typeface="Roboto"/>
+                <a:ea typeface="Roboto"/>
+                <a:cs typeface="Roboto"/>
+                <a:sym typeface="Roboto"/>
+                <a:hlinkClick r:id="rId8"/>
+              </a:rPr>
+              <a:t>Odd even sort </a:t>
+            </a:r>
+            <a:r>
+              <a:rPr lang="en-US" sz="1100" dirty="0" smtClean="0">
+                <a:latin typeface="Roboto"/>
+                <a:ea typeface="Roboto"/>
+                <a:cs typeface="Roboto"/>
+                <a:sym typeface="Roboto"/>
+                <a:hlinkClick r:id="rId8"/>
+              </a:rPr>
+              <a:t>animation.gif</a:t>
+            </a:r>
+            <a:r>
+              <a:rPr lang="en-US" sz="1100" dirty="0" smtClean="0">
+                <a:latin typeface="Roboto"/>
+                <a:ea typeface="Roboto"/>
+                <a:cs typeface="Roboto"/>
+                <a:sym typeface="Roboto"/>
+              </a:rPr>
+              <a:t> by </a:t>
+            </a:r>
+            <a:r>
+              <a:rPr lang="en-US" sz="1100" dirty="0">
+                <a:latin typeface="Roboto"/>
+                <a:ea typeface="Roboto"/>
+                <a:cs typeface="Roboto"/>
+                <a:sym typeface="Roboto"/>
+                <a:hlinkClick r:id="rId6"/>
+              </a:rPr>
+              <a:t>Nmnogueira </a:t>
+            </a:r>
+            <a:r>
+              <a:rPr lang="en-US" sz="1100" dirty="0" smtClean="0">
+                <a:latin typeface="Roboto"/>
+                <a:ea typeface="Roboto"/>
+                <a:cs typeface="Roboto"/>
+                <a:sym typeface="Roboto"/>
+              </a:rPr>
+              <a:t>are licensed </a:t>
+            </a:r>
+            <a:r>
+              <a:rPr lang="en-US" sz="1100" dirty="0" smtClean="0">
+                <a:latin typeface="Roboto"/>
+                <a:ea typeface="Roboto"/>
+                <a:cs typeface="Roboto"/>
+                <a:sym typeface="Roboto"/>
+              </a:rPr>
+              <a:t>under </a:t>
+            </a:r>
+            <a:r>
+              <a:rPr lang="mr-IN" sz="1100" dirty="0" smtClean="0">
+                <a:latin typeface="Roboto"/>
+                <a:ea typeface="Roboto"/>
+                <a:cs typeface="Roboto"/>
+                <a:sym typeface="Roboto"/>
+                <a:hlinkClick r:id="rId9"/>
+              </a:rPr>
+              <a:t>CC BY-SA 2.5</a:t>
+            </a:r>
+            <a:endParaRPr sz="1100" dirty="0">
+              <a:latin typeface="Roboto"/>
+              <a:ea typeface="Roboto"/>
+              <a:cs typeface="Roboto"/>
+              <a:sym typeface="Roboto"/>
+            </a:endParaRPr>
           </a:p>
         </p:txBody>
       </p:sp>
@@ -17927,6 +18363,13 @@
   <p:clrMapOvr>
     <a:masterClrMapping/>
   </p:clrMapOvr>
+  <p:timing>
+    <p:tnLst>
+      <p:par>
+        <p:cTn id="1" dur="indefinite" restart="never" nodeType="tmRoot"/>
+      </p:par>
+    </p:tnLst>
+  </p:timing>
 </p:sld>
 </file>
 
@@ -18117,6 +18560,13 @@
   <p:clrMapOvr>
     <a:masterClrMapping/>
   </p:clrMapOvr>
+  <p:timing>
+    <p:tnLst>
+      <p:par>
+        <p:cTn id="1" dur="indefinite" restart="never" nodeType="tmRoot"/>
+      </p:par>
+    </p:tnLst>
+  </p:timing>
 </p:sld>
 </file>
 
@@ -18270,6 +18720,13 @@
   <p:clrMapOvr>
     <a:masterClrMapping/>
   </p:clrMapOvr>
+  <p:timing>
+    <p:tnLst>
+      <p:par>
+        <p:cTn id="1" dur="indefinite" restart="never" nodeType="tmRoot"/>
+      </p:par>
+    </p:tnLst>
+  </p:timing>
 </p:sld>
 </file>
 
@@ -18337,6 +18794,13 @@
   <p:clrMapOvr>
     <a:masterClrMapping/>
   </p:clrMapOvr>
+  <p:timing>
+    <p:tnLst>
+      <p:par>
+        <p:cTn id="1" dur="indefinite" restart="never" nodeType="tmRoot"/>
+      </p:par>
+    </p:tnLst>
+  </p:timing>
 </p:sld>
 </file>
 
@@ -18478,6 +18942,13 @@
   <p:clrMapOvr>
     <a:masterClrMapping/>
   </p:clrMapOvr>
+  <p:timing>
+    <p:tnLst>
+      <p:par>
+        <p:cTn id="1" dur="indefinite" restart="never" nodeType="tmRoot"/>
+      </p:par>
+    </p:tnLst>
+  </p:timing>
 </p:sld>
 </file>
 
@@ -18679,26 +19150,26 @@
               <a:buNone/>
             </a:pPr>
             <a:r>
-              <a:rPr lang="en"/>
+              <a:rPr lang="en" dirty="0"/>
               <a:t>Many scientific simulations involve modeling using matrices, such as </a:t>
             </a:r>
             <a:r>
-              <a:rPr lang="en" i="1"/>
+              <a:rPr lang="en" i="1" dirty="0"/>
               <a:t>population studies</a:t>
             </a:r>
             <a:r>
-              <a:rPr lang="en"/>
+              <a:rPr lang="en" dirty="0"/>
               <a:t> and </a:t>
             </a:r>
             <a:r>
-              <a:rPr lang="en" i="1"/>
+              <a:rPr lang="en" i="1" dirty="0"/>
               <a:t>spread of disease</a:t>
             </a:r>
             <a:r>
-              <a:rPr lang="en"/>
+              <a:rPr lang="en" dirty="0"/>
               <a:t>.</a:t>
             </a:r>
-            <a:endParaRPr/>
+            <a:endParaRPr dirty="0"/>
           </a:p>
           <a:p>
             <a:pPr marL="0" lvl="0" indent="0" algn="l" rtl="0">
@@ -18711,18 +19182,18 @@
               <a:buNone/>
             </a:pPr>
             <a:r>
-              <a:rPr lang="en"/>
+              <a:rPr lang="en" dirty="0"/>
               <a:t>A very common operation on matrices is </a:t>
             </a:r>
             <a:r>
-              <a:rPr lang="en" b="1"/>
+              <a:rPr lang="en" b="1" dirty="0"/>
               <a:t>multiplying two of them together</a:t>
             </a:r>
             <a:r>
-              <a:rPr lang="en"/>
+              <a:rPr lang="en" dirty="0"/>
               <a:t>.</a:t>
             </a:r>
-            <a:endParaRPr/>
+            <a:endParaRPr dirty="0"/>
           </a:p>
           <a:p>
             <a:pPr marL="0" lvl="0" indent="0" algn="l" rtl="0">
@@ -18735,10 +19206,10 @@
               <a:buNone/>
             </a:pPr>
             <a:r>
-              <a:rPr lang="en"/>
+              <a:rPr lang="en" dirty="0"/>
               <a:t>For example:</a:t>
             </a:r>
-            <a:endParaRPr/>
+            <a:endParaRPr dirty="0"/>
           </a:p>
           <a:p>
             <a:pPr marL="0" lvl="0" indent="0" algn="l" rtl="0">
@@ -18750,7 +19221,7 @@
               </a:spcAft>
               <a:buNone/>
             </a:pPr>
-            <a:endParaRPr/>
+            <a:endParaRPr dirty="0"/>
           </a:p>
         </p:txBody>
       </p:sp>
@@ -19340,6 +19811,13 @@
   <p:clrMapOvr>
     <a:masterClrMapping/>
   </p:clrMapOvr>
+  <p:timing>
+    <p:tnLst>
+      <p:par>
+        <p:cTn id="1" dur="indefinite" restart="never" nodeType="tmRoot"/>
+      </p:par>
+    </p:tnLst>
+  </p:timing>
 </p:sld>
 </file>
 
@@ -19564,6 +20042,13 @@
   <p:clrMapOvr>
     <a:masterClrMapping/>
   </p:clrMapOvr>
+  <p:timing>
+    <p:tnLst>
+      <p:par>
+        <p:cTn id="1" dur="indefinite" restart="never" nodeType="tmRoot"/>
+      </p:par>
+    </p:tnLst>
+  </p:timing>
 </p:sld>
 </file>
 
@@ -20025,6 +20510,13 @@
   <p:clrMapOvr>
     <a:masterClrMapping/>
   </p:clrMapOvr>
+  <p:timing>
+    <p:tnLst>
+      <p:par>
+        <p:cTn id="1" dur="indefinite" restart="never" nodeType="tmRoot"/>
+      </p:par>
+    </p:tnLst>
+  </p:timing>
 </p:sld>
 </file>
 
@@ -20045,6 +20537,30 @@
           <a:chExt cx="0" cy="0"/>
         </a:xfrm>
       </p:grpSpPr>
+      <p:pic>
+        <p:nvPicPr>
+          <p:cNvPr id="10" name="Picture 9"/>
+          <p:cNvPicPr>
+            <a:picLocks noChangeAspect="1"/>
+          </p:cNvPicPr>
+          <p:nvPr/>
+        </p:nvPicPr>
+        <p:blipFill>
+          <a:blip r:embed="rId3"/>
+          <a:stretch>
+            <a:fillRect/>
+          </a:stretch>
+        </p:blipFill>
+        <p:spPr>
+          <a:xfrm>
+            <a:off x="3167210" y="1322900"/>
+            <a:ext cx="2809579" cy="3463533"/>
+          </a:xfrm>
+          <a:prstGeom prst="rect">
+            <a:avLst/>
+          </a:prstGeom>
+        </p:spPr>
+      </p:pic>
       <p:sp>
         <p:nvSpPr>
           <p:cNvPr id="177" name="Google Shape;177;p18"/>
@@ -20089,89 +20605,40 @@
       </p:sp>
       <p:pic>
         <p:nvPicPr>
-          <p:cNvPr id="178" name="Google Shape;178;p18"/>
-          <p:cNvPicPr preferRelativeResize="0"/>
+          <p:cNvPr id="8" name="Picture 7"/>
+          <p:cNvPicPr>
+            <a:picLocks noChangeAspect="1"/>
+          </p:cNvPicPr>
           <p:nvPr/>
         </p:nvPicPr>
         <p:blipFill>
-          <a:blip r:embed="rId3">
-            <a:alphaModFix/>
-          </a:blip>
+          <a:blip r:embed="rId4"/>
           <a:stretch>
             <a:fillRect/>
           </a:stretch>
         </p:blipFill>
         <p:spPr>
           <a:xfrm>
-            <a:off x="2320394" y="1573101"/>
-            <a:ext cx="4503207" cy="2448001"/>
+            <a:off x="946369" y="2690448"/>
+            <a:ext cx="2220841" cy="728436"/>
           </a:xfrm>
           <a:prstGeom prst="rect">
             <a:avLst/>
           </a:prstGeom>
-          <a:noFill/>
-          <a:ln>
-            <a:noFill/>
-          </a:ln>
         </p:spPr>
       </p:pic>
-      <p:sp>
-        <p:nvSpPr>
-          <p:cNvPr id="179" name="Google Shape;179;p18"/>
-          <p:cNvSpPr txBox="1"/>
-          <p:nvPr/>
-        </p:nvSpPr>
-        <p:spPr>
-          <a:xfrm>
-            <a:off x="2415750" y="4629250"/>
-            <a:ext cx="4312500" cy="399600"/>
-          </a:xfrm>
-          <a:prstGeom prst="rect">
-            <a:avLst/>
-          </a:prstGeom>
-          <a:noFill/>
-          <a:ln>
-            <a:noFill/>
-          </a:ln>
-        </p:spPr>
-        <p:txBody>
-          <a:bodyPr spcFirstLastPara="1" wrap="square" lIns="91425" tIns="91425" rIns="91425" bIns="91425" anchor="t" anchorCtr="0">
-            <a:noAutofit/>
-          </a:bodyPr>
-          <a:lstStyle/>
-          <a:p>
-            <a:pPr marL="0" lvl="0" indent="0" algn="l" rtl="0">
-              <a:spcBef>
-                <a:spcPts val="0"/>
-              </a:spcBef>
-              <a:spcAft>
-                <a:spcPts val="0"/>
-              </a:spcAft>
-              <a:buNone/>
-            </a:pPr>
-            <a:r>
-              <a:rPr lang="en" sz="1100">
-                <a:latin typeface="Calibri"/>
-                <a:ea typeface="Calibri"/>
-                <a:cs typeface="Calibri"/>
-                <a:sym typeface="Calibri"/>
-              </a:rPr>
-              <a:t>Image from: https://insidehpc.com/2016/01/heterogeneous-streams/</a:t>
-            </a:r>
-            <a:endParaRPr sz="1100">
-              <a:latin typeface="Calibri"/>
-              <a:ea typeface="Calibri"/>
-              <a:cs typeface="Calibri"/>
-              <a:sym typeface="Calibri"/>
-            </a:endParaRPr>
-          </a:p>
-        </p:txBody>
-      </p:sp>
     </p:spTree>
   </p:cSld>
   <p:clrMapOvr>
     <a:masterClrMapping/>
   </p:clrMapOvr>
+  <p:timing>
+    <p:tnLst>
+      <p:par>
+        <p:cTn id="1" dur="indefinite" restart="never" nodeType="tmRoot"/>
+      </p:par>
+    </p:tnLst>
+  </p:timing>
 </p:sld>
 </file>
 
@@ -20269,47 +20736,44 @@
               <a:buNone/>
             </a:pPr>
             <a:r>
-              <a:rPr lang="en"/>
+              <a:rPr lang="en" dirty="0"/>
               <a:t>The </a:t>
             </a:r>
             <a:r>
-              <a:rPr lang="en" b="1" u="sng"/>
+              <a:rPr lang="en" b="1" u="sng" dirty="0"/>
               <a:t>sequential</a:t>
             </a:r>
             <a:r>
-              <a:rPr lang="en"/>
+              <a:rPr lang="en" dirty="0"/>
               <a:t> solution for computing result matrix </a:t>
             </a:r>
             <a:r>
-              <a:rPr lang="en" b="1"/>
+              <a:rPr lang="en" b="1" dirty="0"/>
               <a:t>C</a:t>
             </a:r>
             <a:r>
-              <a:rPr lang="en"/>
+              <a:rPr lang="en" dirty="0"/>
               <a:t> from </a:t>
             </a:r>
             <a:r>
-              <a:rPr lang="en" b="1"/>
+              <a:rPr lang="en" b="1" dirty="0"/>
               <a:t>A x B</a:t>
             </a:r>
             <a:r>
-              <a:rPr lang="en"/>
+              <a:rPr lang="en" dirty="0"/>
               <a:t>:</a:t>
             </a:r>
-            <a:endParaRPr/>
-          </a:p>
-          <a:p>
-            <a:pPr marL="0" lvl="0" indent="0" algn="l" rtl="0">
+            <a:endParaRPr dirty="0"/>
+          </a:p>
+          <a:p>
+            <a:pPr marL="0" lvl="0" indent="0">
               <a:spcBef>
                 <a:spcPts val="1600"/>
               </a:spcBef>
-              <a:spcAft>
-                <a:spcPts val="0"/>
-              </a:spcAft>
               <a:buNone/>
             </a:pPr>
             <a:r>
-              <a:rPr lang="en">
+              <a:rPr lang="en" dirty="0">
                 <a:latin typeface="Courier New"/>
                 <a:ea typeface="Courier New"/>
                 <a:cs typeface="Courier New"/>
@@ -20318,7 +20782,7 @@
               <a:t>	for each row </a:t>
             </a:r>
             <a:r>
-              <a:rPr lang="en" b="1">
+              <a:rPr lang="en" b="1" dirty="0">
                 <a:latin typeface="Courier New"/>
                 <a:ea typeface="Courier New"/>
                 <a:cs typeface="Courier New"/>
@@ -20327,7 +20791,7 @@
               <a:t>r</a:t>
             </a:r>
             <a:r>
-              <a:rPr lang="en">
+              <a:rPr lang="en" dirty="0">
                 <a:latin typeface="Courier New"/>
                 <a:ea typeface="Courier New"/>
                 <a:cs typeface="Courier New"/>
@@ -20336,7 +20800,7 @@
               <a:t> in matrix </a:t>
             </a:r>
             <a:r>
-              <a:rPr lang="en" b="1">
+              <a:rPr lang="en" b="1" dirty="0">
                 <a:latin typeface="Courier New"/>
                 <a:ea typeface="Courier New"/>
                 <a:cs typeface="Courier New"/>
@@ -20345,7 +20809,7 @@
               <a:t>A</a:t>
             </a:r>
             <a:r>
-              <a:rPr lang="en">
+              <a:rPr lang="en" dirty="0">
                 <a:latin typeface="Courier New"/>
                 <a:ea typeface="Courier New"/>
                 <a:cs typeface="Courier New"/>
@@ -20354,7 +20818,7 @@
               <a:t>:</a:t>
             </a:r>
             <a:br>
-              <a:rPr lang="en">
+              <a:rPr lang="en" dirty="0">
                 <a:latin typeface="Courier New"/>
                 <a:ea typeface="Courier New"/>
                 <a:cs typeface="Courier New"/>
@@ -20362,7 +20826,7 @@
               </a:rPr>
             </a:br>
             <a:r>
-              <a:rPr lang="en">
+              <a:rPr lang="en" dirty="0">
                 <a:latin typeface="Courier New"/>
                 <a:ea typeface="Courier New"/>
                 <a:cs typeface="Courier New"/>
@@ -20371,7 +20835,7 @@
               <a:t>		for each column </a:t>
             </a:r>
             <a:r>
-              <a:rPr lang="en" b="1">
+              <a:rPr lang="en" b="1" dirty="0">
                 <a:latin typeface="Courier New"/>
                 <a:ea typeface="Courier New"/>
                 <a:cs typeface="Courier New"/>
@@ -20380,7 +20844,7 @@
               <a:t>c</a:t>
             </a:r>
             <a:r>
-              <a:rPr lang="en">
+              <a:rPr lang="en" dirty="0">
                 <a:latin typeface="Courier New"/>
                 <a:ea typeface="Courier New"/>
                 <a:cs typeface="Courier New"/>
@@ -20389,7 +20853,7 @@
               <a:t> in matrix </a:t>
             </a:r>
             <a:r>
-              <a:rPr lang="en" b="1">
+              <a:rPr lang="en" b="1" dirty="0">
                 <a:latin typeface="Courier New"/>
                 <a:ea typeface="Courier New"/>
                 <a:cs typeface="Courier New"/>
@@ -20398,7 +20862,7 @@
               <a:t>B</a:t>
             </a:r>
             <a:r>
-              <a:rPr lang="en">
+              <a:rPr lang="en" dirty="0">
                 <a:latin typeface="Courier New"/>
                 <a:ea typeface="Courier New"/>
                 <a:cs typeface="Courier New"/>
@@ -20407,7 +20871,7 @@
               <a:t>:</a:t>
             </a:r>
             <a:br>
-              <a:rPr lang="en">
+              <a:rPr lang="en" dirty="0">
                 <a:latin typeface="Courier New"/>
                 <a:ea typeface="Courier New"/>
                 <a:cs typeface="Courier New"/>
@@ -20415,7 +20879,7 @@
               </a:rPr>
             </a:br>
             <a:r>
-              <a:rPr lang="en">
+              <a:rPr lang="en" dirty="0">
                 <a:latin typeface="Courier New"/>
                 <a:ea typeface="Courier New"/>
                 <a:cs typeface="Courier New"/>
@@ -20424,7 +20888,7 @@
               <a:t>			total = 0</a:t>
             </a:r>
             <a:br>
-              <a:rPr lang="en">
+              <a:rPr lang="en" dirty="0">
                 <a:latin typeface="Courier New"/>
                 <a:ea typeface="Courier New"/>
                 <a:cs typeface="Courier New"/>
@@ -20432,7 +20896,7 @@
               </a:rPr>
             </a:br>
             <a:r>
-              <a:rPr lang="en">
+              <a:rPr lang="en" dirty="0">
                 <a:latin typeface="Courier New"/>
                 <a:ea typeface="Courier New"/>
                 <a:cs typeface="Courier New"/>
@@ -20441,7 +20905,7 @@
               <a:t>			for each corresponding position </a:t>
             </a:r>
             <a:r>
-              <a:rPr lang="en" b="1">
+              <a:rPr lang="en" b="1" dirty="0" err="1">
                 <a:latin typeface="Courier New"/>
                 <a:ea typeface="Courier New"/>
                 <a:cs typeface="Courier New"/>
@@ -20450,16 +20914,34 @@
               <a:t>i</a:t>
             </a:r>
             <a:r>
-              <a:rPr lang="en">
+              <a:rPr lang="en" dirty="0">
                 <a:latin typeface="Courier New"/>
                 <a:ea typeface="Courier New"/>
                 <a:cs typeface="Courier New"/>
                 <a:sym typeface="Courier New"/>
               </a:rPr>
-              <a:t> between row </a:t>
-            </a:r>
-            <a:r>
-              <a:rPr lang="en" b="1">
+              <a:t> between </a:t>
+            </a:r>
+            <a:r>
+              <a:rPr lang="en" dirty="0" smtClean="0">
+                <a:latin typeface="Courier New"/>
+                <a:ea typeface="Courier New"/>
+                <a:cs typeface="Courier New"/>
+                <a:sym typeface="Courier New"/>
+              </a:rPr>
+              <a:t>row</a:t>
+            </a:r>
+            <a:r>
+              <a:rPr lang="en" dirty="0">
+                <a:latin typeface="Courier New"/>
+                <a:ea typeface="Courier New"/>
+                <a:cs typeface="Courier New"/>
+                <a:sym typeface="Courier New"/>
+              </a:rPr>
+              <a:t>				</a:t>
+            </a:r>
+            <a:r>
+              <a:rPr lang="en" b="1" dirty="0" smtClean="0">
                 <a:latin typeface="Courier New"/>
                 <a:ea typeface="Courier New"/>
                 <a:cs typeface="Courier New"/>
@@ -20468,16 +20950,25 @@
               <a:t>r</a:t>
             </a:r>
             <a:r>
-              <a:rPr lang="en">
+              <a:rPr lang="en" dirty="0" smtClean="0">
                 <a:latin typeface="Courier New"/>
                 <a:ea typeface="Courier New"/>
                 <a:cs typeface="Courier New"/>
                 <a:sym typeface="Courier New"/>
               </a:rPr>
-              <a:t> and column </a:t>
-            </a:r>
-            <a:r>
-              <a:rPr lang="en" b="1">
+              <a:t> </a:t>
+            </a:r>
+            <a:r>
+              <a:rPr lang="en" dirty="0">
+                <a:latin typeface="Courier New"/>
+                <a:ea typeface="Courier New"/>
+                <a:cs typeface="Courier New"/>
+                <a:sym typeface="Courier New"/>
+              </a:rPr>
+              <a:t>and column </a:t>
+            </a:r>
+            <a:r>
+              <a:rPr lang="en" b="1" dirty="0">
                 <a:latin typeface="Courier New"/>
                 <a:ea typeface="Courier New"/>
                 <a:cs typeface="Courier New"/>
@@ -20486,7 +20977,7 @@
               <a:t>c</a:t>
             </a:r>
             <a:r>
-              <a:rPr lang="en">
+              <a:rPr lang="en" dirty="0">
                 <a:latin typeface="Courier New"/>
                 <a:ea typeface="Courier New"/>
                 <a:cs typeface="Courier New"/>
@@ -20495,7 +20986,7 @@
               <a:t>:</a:t>
             </a:r>
             <a:br>
-              <a:rPr lang="en">
+              <a:rPr lang="en" dirty="0">
                 <a:latin typeface="Courier New"/>
                 <a:ea typeface="Courier New"/>
                 <a:cs typeface="Courier New"/>
@@ -20503,16 +20994,52 @@
               </a:rPr>
             </a:br>
             <a:r>
-              <a:rPr lang="en">
+              <a:rPr lang="en" dirty="0">
                 <a:latin typeface="Courier New"/>
                 <a:ea typeface="Courier New"/>
                 <a:cs typeface="Courier New"/>
                 <a:sym typeface="Courier New"/>
               </a:rPr>
-              <a:t>				total = total + A[r, i] * B[i, c]</a:t>
+              <a:t>				total = total + A[r, </a:t>
+            </a:r>
+            <a:r>
+              <a:rPr lang="en" dirty="0" err="1">
+                <a:latin typeface="Courier New"/>
+                <a:ea typeface="Courier New"/>
+                <a:cs typeface="Courier New"/>
+                <a:sym typeface="Courier New"/>
+              </a:rPr>
+              <a:t>i</a:t>
+            </a:r>
+            <a:r>
+              <a:rPr lang="en" dirty="0">
+                <a:latin typeface="Courier New"/>
+                <a:ea typeface="Courier New"/>
+                <a:cs typeface="Courier New"/>
+                <a:sym typeface="Courier New"/>
+              </a:rPr>
+              <a:t>] * B[</a:t>
+            </a:r>
+            <a:r>
+              <a:rPr lang="en" dirty="0" err="1">
+                <a:latin typeface="Courier New"/>
+                <a:ea typeface="Courier New"/>
+                <a:cs typeface="Courier New"/>
+                <a:sym typeface="Courier New"/>
+              </a:rPr>
+              <a:t>i</a:t>
+            </a:r>
+            <a:r>
+              <a:rPr lang="en" dirty="0">
+                <a:latin typeface="Courier New"/>
+                <a:ea typeface="Courier New"/>
+                <a:cs typeface="Courier New"/>
+                <a:sym typeface="Courier New"/>
+              </a:rPr>
+              <a:t>, c]</a:t>
             </a:r>
             <a:br>
-              <a:rPr lang="en">
+              <a:rPr lang="en" dirty="0">
                 <a:latin typeface="Courier New"/>
                 <a:ea typeface="Courier New"/>
                 <a:cs typeface="Courier New"/>
@@ -20520,7 +21047,7 @@
               </a:rPr>
             </a:br>
             <a:r>
-              <a:rPr lang="en">
+              <a:rPr lang="en" dirty="0">
                 <a:latin typeface="Courier New"/>
                 <a:ea typeface="Courier New"/>
                 <a:cs typeface="Courier New"/>
@@ -20528,7 +21055,7 @@
               </a:rPr>
               <a:t>			C[r, c] = total</a:t>
             </a:r>
-            <a:endParaRPr>
+            <a:endParaRPr dirty="0">
               <a:latin typeface="Courier New"/>
               <a:ea typeface="Courier New"/>
               <a:cs typeface="Courier New"/>
@@ -20546,26 +21073,26 @@
               <a:buNone/>
             </a:pPr>
             <a:r>
-              <a:rPr lang="en"/>
+              <a:rPr lang="en" dirty="0"/>
               <a:t>Could this be </a:t>
             </a:r>
             <a:r>
-              <a:rPr lang="en" i="1" u="sng"/>
+              <a:rPr lang="en" i="1" u="sng" dirty="0"/>
               <a:t>parallelized</a:t>
             </a:r>
             <a:r>
-              <a:rPr lang="en"/>
+              <a:rPr lang="en" dirty="0"/>
               <a:t>, and if so, how might you do it? If it helps, imagine you are multiplying two matrices that are each 10,000 x 10,000 elements. That’s </a:t>
             </a:r>
             <a:r>
-              <a:rPr lang="en" b="1"/>
+              <a:rPr lang="en" b="1" dirty="0"/>
               <a:t>a lot</a:t>
             </a:r>
             <a:r>
-              <a:rPr lang="en"/>
+              <a:rPr lang="en" dirty="0"/>
               <a:t> of numbers!</a:t>
             </a:r>
-            <a:endParaRPr/>
+            <a:endParaRPr dirty="0"/>
           </a:p>
         </p:txBody>
       </p:sp>
@@ -20574,6 +21101,13 @@
   <p:clrMapOvr>
     <a:masterClrMapping/>
   </p:clrMapOvr>
+  <p:timing>
+    <p:tnLst>
+      <p:par>
+        <p:cTn id="1" dur="indefinite" restart="never" nodeType="tmRoot"/>
+      </p:par>
+    </p:tnLst>
+  </p:timing>
 </p:sld>
 </file>
 
